--- a/slides/LEDs.pptx
+++ b/slides/LEDs.pptx
@@ -6,6 +6,7 @@
   </p:sldMasterIdLst>
   <p:sldIdLst>
     <p:sldId id="256" r:id="rId2"/>
+    <p:sldId id="257" r:id="rId3"/>
   </p:sldIdLst>
   <p:sldSz cx="12192000" cy="6858000"/>
   <p:notesSz cx="6858000" cy="9144000"/>
@@ -3342,7 +3343,10 @@
           <a:bodyPr/>
           <a:lstStyle/>
           <a:p>
-            <a:endParaRPr lang="en-US"/>
+            <a:r>
+              <a:rPr lang="en-US" dirty="0"/>
+              <a:t>LED Figures</a:t>
+            </a:r>
           </a:p>
         </p:txBody>
       </p:sp>
@@ -3375,6 +3379,173 @@
     <p:extLst>
       <p:ext uri="{BB962C8B-B14F-4D97-AF65-F5344CB8AC3E}">
         <p14:creationId xmlns:p14="http://schemas.microsoft.com/office/powerpoint/2010/main" val="1811256979"/>
+      </p:ext>
+    </p:extLst>
+  </p:cSld>
+  <p:clrMapOvr>
+    <a:masterClrMapping/>
+  </p:clrMapOvr>
+</p:sld>
+</file>
+
+<file path=ppt/slides/slide2.xml><?xml version="1.0" encoding="utf-8"?>
+<p:sld xmlns:a="http://schemas.openxmlformats.org/drawingml/2006/main" xmlns:r="http://schemas.openxmlformats.org/officeDocument/2006/relationships" xmlns:p="http://schemas.openxmlformats.org/presentationml/2006/main">
+  <p:cSld>
+    <p:spTree>
+      <p:nvGrpSpPr>
+        <p:cNvPr id="1" name=""/>
+        <p:cNvGrpSpPr/>
+        <p:nvPr/>
+      </p:nvGrpSpPr>
+      <p:grpSpPr>
+        <a:xfrm>
+          <a:off x="0" y="0"/>
+          <a:ext cx="0" cy="0"/>
+          <a:chOff x="0" y="0"/>
+          <a:chExt cx="0" cy="0"/>
+        </a:xfrm>
+      </p:grpSpPr>
+      <p:sp>
+        <p:nvSpPr>
+          <p:cNvPr id="2" name="Title 1">
+            <a:extLst>
+              <a:ext uri="{FF2B5EF4-FFF2-40B4-BE49-F238E27FC236}">
+                <a16:creationId xmlns:a16="http://schemas.microsoft.com/office/drawing/2014/main" id="{48B1C9DA-F9D1-0EF0-D58B-5F2D54A97026}"/>
+              </a:ext>
+            </a:extLst>
+          </p:cNvPr>
+          <p:cNvSpPr>
+            <a:spLocks noGrp="1"/>
+          </p:cNvSpPr>
+          <p:nvPr>
+            <p:ph type="title"/>
+          </p:nvPr>
+        </p:nvSpPr>
+        <p:spPr/>
+        <p:txBody>
+          <a:bodyPr/>
+          <a:lstStyle/>
+          <a:p>
+            <a:endParaRPr lang="en-US"/>
+          </a:p>
+        </p:txBody>
+      </p:sp>
+      <p:sp>
+        <p:nvSpPr>
+          <p:cNvPr id="3" name="Content Placeholder 2">
+            <a:extLst>
+              <a:ext uri="{FF2B5EF4-FFF2-40B4-BE49-F238E27FC236}">
+                <a16:creationId xmlns:a16="http://schemas.microsoft.com/office/drawing/2014/main" id="{4BFFEA72-6CFE-8D45-22AD-05420DF026EA}"/>
+              </a:ext>
+            </a:extLst>
+          </p:cNvPr>
+          <p:cNvSpPr>
+            <a:spLocks noGrp="1"/>
+          </p:cNvSpPr>
+          <p:nvPr>
+            <p:ph idx="1"/>
+          </p:nvPr>
+        </p:nvSpPr>
+        <p:spPr>
+          <a:xfrm>
+            <a:off x="838200" y="5098473"/>
+            <a:ext cx="10515600" cy="1078490"/>
+          </a:xfrm>
+        </p:spPr>
+        <p:txBody>
+          <a:bodyPr/>
+          <a:lstStyle/>
+          <a:p>
+            <a:endParaRPr lang="en-US"/>
+          </a:p>
+        </p:txBody>
+      </p:sp>
+      <p:pic>
+        <p:nvPicPr>
+          <p:cNvPr id="4" name="Picture 3">
+            <a:extLst>
+              <a:ext uri="{FF2B5EF4-FFF2-40B4-BE49-F238E27FC236}">
+                <a16:creationId xmlns:a16="http://schemas.microsoft.com/office/drawing/2014/main" id="{7876AEFE-82C3-8407-91BA-E535B7D27381}"/>
+              </a:ext>
+            </a:extLst>
+          </p:cNvPr>
+          <p:cNvPicPr>
+            <a:picLocks noChangeAspect="1"/>
+          </p:cNvPicPr>
+          <p:nvPr/>
+        </p:nvPicPr>
+        <p:blipFill>
+          <a:blip r:embed="rId2"/>
+          <a:stretch>
+            <a:fillRect/>
+          </a:stretch>
+        </p:blipFill>
+        <p:spPr>
+          <a:xfrm>
+            <a:off x="2209800" y="2560320"/>
+            <a:ext cx="7772400" cy="1737360"/>
+          </a:xfrm>
+          <a:prstGeom prst="rect">
+            <a:avLst/>
+          </a:prstGeom>
+        </p:spPr>
+      </p:pic>
+      <p:sp>
+        <p:nvSpPr>
+          <p:cNvPr id="5" name="Rectangle 4">
+            <a:extLst>
+              <a:ext uri="{FF2B5EF4-FFF2-40B4-BE49-F238E27FC236}">
+                <a16:creationId xmlns:a16="http://schemas.microsoft.com/office/drawing/2014/main" id="{F473A998-5207-6805-4195-7B905ADBAB94}"/>
+              </a:ext>
+            </a:extLst>
+          </p:cNvPr>
+          <p:cNvSpPr/>
+          <p:nvPr/>
+        </p:nvSpPr>
+        <p:spPr>
+          <a:xfrm>
+            <a:off x="7245927" y="2831335"/>
+            <a:ext cx="1205346" cy="1466345"/>
+          </a:xfrm>
+          <a:prstGeom prst="rect">
+            <a:avLst/>
+          </a:prstGeom>
+          <a:noFill/>
+          <a:ln w="38100">
+            <a:solidFill>
+              <a:srgbClr val="FF0000"/>
+            </a:solidFill>
+          </a:ln>
+        </p:spPr>
+        <p:style>
+          <a:lnRef idx="2">
+            <a:schemeClr val="accent1">
+              <a:shade val="15000"/>
+            </a:schemeClr>
+          </a:lnRef>
+          <a:fillRef idx="1">
+            <a:schemeClr val="accent1"/>
+          </a:fillRef>
+          <a:effectRef idx="0">
+            <a:schemeClr val="accent1"/>
+          </a:effectRef>
+          <a:fontRef idx="minor">
+            <a:schemeClr val="lt1"/>
+          </a:fontRef>
+        </p:style>
+        <p:txBody>
+          <a:bodyPr rtlCol="0" anchor="ctr"/>
+          <a:lstStyle/>
+          <a:p>
+            <a:pPr algn="ctr"/>
+            <a:endParaRPr lang="en-US"/>
+          </a:p>
+        </p:txBody>
+      </p:sp>
+    </p:spTree>
+    <p:extLst>
+      <p:ext uri="{BB962C8B-B14F-4D97-AF65-F5344CB8AC3E}">
+        <p14:creationId xmlns:p14="http://schemas.microsoft.com/office/powerpoint/2010/main" val="2016936324"/>
       </p:ext>
     </p:extLst>
   </p:cSld>
